--- a/Images/Figures_PPT/SARNoTOR.pptx
+++ b/Images/Figures_PPT/SARNoTOR.pptx
@@ -3067,7 +3067,7 @@
           </p:nvSpPr>
           <p:spPr>
             <a:xfrm>
-              <a:off x="4412391" y="5514684"/>
+              <a:off x="4412371" y="5514486"/>
               <a:ext cx="1566579" cy="157737"/>
             </a:xfrm>
             <a:prstGeom prst="rect">
@@ -3113,7 +3113,7 @@
           </p:nvSpPr>
           <p:spPr>
             <a:xfrm>
-              <a:off x="4858185" y="5821068"/>
+              <a:off x="4858165" y="5820869"/>
               <a:ext cx="674990" cy="163560"/>
             </a:xfrm>
             <a:prstGeom prst="rect">

--- a/Images/Figures_PPT/SARNoTOR.pptx
+++ b/Images/Figures_PPT/SARNoTOR.pptx
@@ -3067,7 +3067,7 @@
           </p:nvSpPr>
           <p:spPr>
             <a:xfrm>
-              <a:off x="4412371" y="5514486"/>
+              <a:off x="4412509" y="5514565"/>
               <a:ext cx="1566579" cy="157737"/>
             </a:xfrm>
             <a:prstGeom prst="rect">
@@ -3113,7 +3113,7 @@
           </p:nvSpPr>
           <p:spPr>
             <a:xfrm>
-              <a:off x="4858165" y="5820869"/>
+              <a:off x="4858304" y="5820949"/>
               <a:ext cx="674990" cy="163560"/>
             </a:xfrm>
             <a:prstGeom prst="rect">

--- a/Images/Figures_PPT/SARNoTOR.pptx
+++ b/Images/Figures_PPT/SARNoTOR.pptx
@@ -3067,7 +3067,7 @@
           </p:nvSpPr>
           <p:spPr>
             <a:xfrm>
-              <a:off x="4412509" y="5514565"/>
+              <a:off x="4994167" y="4932690"/>
               <a:ext cx="1566579" cy="157737"/>
             </a:xfrm>
             <a:prstGeom prst="rect">
@@ -3113,7 +3113,7 @@
           </p:nvSpPr>
           <p:spPr>
             <a:xfrm>
-              <a:off x="4858304" y="5820949"/>
+              <a:off x="5439962" y="5239074"/>
               <a:ext cx="674990" cy="163560"/>
             </a:xfrm>
             <a:prstGeom prst="rect">

--- a/Images/Figures_PPT/SARNoTOR.pptx
+++ b/Images/Figures_PPT/SARNoTOR.pptx
@@ -3067,7 +3067,7 @@
           </p:nvSpPr>
           <p:spPr>
             <a:xfrm>
-              <a:off x="4994167" y="4932690"/>
+              <a:off x="4994040" y="4932817"/>
               <a:ext cx="1566579" cy="157737"/>
             </a:xfrm>
             <a:prstGeom prst="rect">
@@ -3113,7 +3113,7 @@
           </p:nvSpPr>
           <p:spPr>
             <a:xfrm>
-              <a:off x="5439962" y="5239074"/>
+              <a:off x="5439834" y="5239201"/>
               <a:ext cx="674990" cy="163560"/>
             </a:xfrm>
             <a:prstGeom prst="rect">
